--- a/Poster/PESTA_Poster_1020881.pptx
+++ b/Poster/PESTA_Poster_1020881.pptx
@@ -249,7 +249,7 @@
           <a:p>
             <a:fld id="{4D61E05A-F8BC-7242-A6A9-E2ECF5BA0C96}" type="slidenum">
               <a:rPr lang="pt-PT" smtClean="0"/>
-              <a:t>‹nº›</a:t>
+              <a:t>‹#›</a:t>
             </a:fld>
             <a:endParaRPr lang="pt-PT"/>
           </a:p>
@@ -290,7 +290,7 @@
           <a:p>
             <a:fld id="{47E2C58E-65E8-144A-9659-18C45F25646D}" type="datetimeFigureOut">
               <a:rPr lang="pt-PT" smtClean="0"/>
-              <a:t>20/10/2020</a:t>
+              <a:t>11/05/2021</a:t>
             </a:fld>
             <a:endParaRPr lang="pt-PT"/>
           </a:p>
@@ -1076,7 +1076,7 @@
                 <a:latin typeface="Calibri" panose="020F0502020204030204" pitchFamily="34" charset="0"/>
                 <a:cs typeface="Calibri" panose="020F0502020204030204" pitchFamily="34" charset="0"/>
               </a:rPr>
-              <a:t>Inserir Texto</a:t>
+              <a:t>Isabel Gonçalves Vaz</a:t>
             </a:r>
             <a:endParaRPr lang="en-US" sz="1800" dirty="0">
               <a:solidFill>
@@ -1136,19 +1136,6 @@
             </a:lvl1pPr>
           </a:lstStyle>
           <a:p>
-            <a:r>
-              <a:rPr lang="pt-PT" sz="1800" dirty="0">
-                <a:solidFill>
-                  <a:schemeClr val="tx1">
-                    <a:lumMod val="75000"/>
-                    <a:lumOff val="25000"/>
-                  </a:schemeClr>
-                </a:solidFill>
-                <a:latin typeface="Calibri" panose="020F0502020204030204" pitchFamily="34" charset="0"/>
-                <a:cs typeface="Calibri" panose="020F0502020204030204" pitchFamily="34" charset="0"/>
-              </a:rPr>
-              <a:t>Inserir Texto</a:t>
-            </a:r>
             <a:endParaRPr lang="en-US" sz="1800" dirty="0">
               <a:solidFill>
                 <a:schemeClr val="tx1">
@@ -1207,19 +1194,6 @@
             </a:lvl1pPr>
           </a:lstStyle>
           <a:p>
-            <a:r>
-              <a:rPr lang="pt-PT" sz="1800" dirty="0">
-                <a:solidFill>
-                  <a:schemeClr val="tx1">
-                    <a:lumMod val="75000"/>
-                    <a:lumOff val="25000"/>
-                  </a:schemeClr>
-                </a:solidFill>
-                <a:latin typeface="Calibri" panose="020F0502020204030204" pitchFamily="34" charset="0"/>
-                <a:cs typeface="Calibri" panose="020F0502020204030204" pitchFamily="34" charset="0"/>
-              </a:rPr>
-              <a:t>Inserir Texto</a:t>
-            </a:r>
             <a:endParaRPr lang="en-US" sz="1800" dirty="0">
               <a:solidFill>
                 <a:schemeClr val="tx1">
@@ -1249,7 +1223,7 @@
         </p:nvSpPr>
         <p:spPr>
           <a:xfrm>
-            <a:off x="390507" y="2075460"/>
+            <a:off x="390507" y="2188972"/>
             <a:ext cx="4955400" cy="255206"/>
           </a:xfrm>
           <a:prstGeom prst="rect">
@@ -1283,14 +1257,7 @@
                 <a:latin typeface="Calibri" panose="020F0502020204030204" pitchFamily="34" charset="0"/>
                 <a:cs typeface="Calibri" panose="020F0502020204030204" pitchFamily="34" charset="0"/>
               </a:rPr>
-              <a:t>Nome</a:t>
-            </a:r>
-            <a:r>
-              <a:rPr lang="pt-PT" sz="1800" b="1" baseline="0" dirty="0">
-                <a:latin typeface="Calibri" panose="020F0502020204030204" pitchFamily="34" charset="0"/>
-                <a:cs typeface="Calibri" panose="020F0502020204030204" pitchFamily="34" charset="0"/>
-              </a:rPr>
-              <a:t> do Aluno</a:t>
+              <a:t>Sérgio Manuel Salazar dos Santos</a:t>
             </a:r>
             <a:endParaRPr lang="en-US" sz="1800" b="1" dirty="0">
               <a:latin typeface="Calibri" panose="020F0502020204030204" pitchFamily="34" charset="0"/>
